--- a/ppt/diagram.pptx
+++ b/ppt/diagram.pptx
@@ -105,6 +105,11 @@
       </a:defRPr>
     </a:lvl9pPr>
   </p:defaultTextStyle>
+  <p:extLst>
+    <p:ext uri="{EFAFB233-063F-42B5-8137-9DF3F51BA10A}">
+      <p15:sldGuideLst xmlns:p15="http://schemas.microsoft.com/office/powerpoint/2012/main"/>
+    </p:ext>
+  </p:extLst>
 </p:presentation>
 </file>
 
@@ -4608,6 +4613,80 @@
           </a:fontRef>
         </p:style>
       </p:cxnSp>
+      <p:sp>
+        <p:nvSpPr>
+          <p:cNvPr id="2" name="TextBox 1">
+            <a:extLst>
+              <a:ext uri="{FF2B5EF4-FFF2-40B4-BE49-F238E27FC236}">
+                <a16:creationId xmlns:a16="http://schemas.microsoft.com/office/drawing/2014/main" id="{95D366B6-F4BD-49AA-88E9-4E75E4F6BC4A}"/>
+              </a:ext>
+            </a:extLst>
+          </p:cNvPr>
+          <p:cNvSpPr txBox="1"/>
+          <p:nvPr/>
+        </p:nvSpPr>
+        <p:spPr>
+          <a:xfrm>
+            <a:off x="7313433" y="5192065"/>
+            <a:ext cx="500458" cy="307777"/>
+          </a:xfrm>
+          <a:prstGeom prst="rect">
+            <a:avLst/>
+          </a:prstGeom>
+          <a:noFill/>
+        </p:spPr>
+        <p:txBody>
+          <a:bodyPr wrap="none" rtlCol="0">
+            <a:spAutoFit/>
+          </a:bodyPr>
+          <a:lstStyle/>
+          <a:p>
+            <a:r>
+              <a:rPr lang="en-US" sz="1400" dirty="0">
+                <a:latin typeface="Aileron" panose="00000500000000000000" pitchFamily="50" charset="0"/>
+              </a:rPr>
+              <a:t>YES</a:t>
+            </a:r>
+          </a:p>
+        </p:txBody>
+      </p:sp>
+      <p:sp>
+        <p:nvSpPr>
+          <p:cNvPr id="18" name="TextBox 17">
+            <a:extLst>
+              <a:ext uri="{FF2B5EF4-FFF2-40B4-BE49-F238E27FC236}">
+                <a16:creationId xmlns:a16="http://schemas.microsoft.com/office/drawing/2014/main" id="{53E44DA3-DB8B-421B-9521-D69E3BC16A0F}"/>
+              </a:ext>
+            </a:extLst>
+          </p:cNvPr>
+          <p:cNvSpPr txBox="1"/>
+          <p:nvPr/>
+        </p:nvSpPr>
+        <p:spPr>
+          <a:xfrm>
+            <a:off x="3259262" y="5192065"/>
+            <a:ext cx="445956" cy="307777"/>
+          </a:xfrm>
+          <a:prstGeom prst="rect">
+            <a:avLst/>
+          </a:prstGeom>
+          <a:noFill/>
+        </p:spPr>
+        <p:txBody>
+          <a:bodyPr wrap="none" rtlCol="0">
+            <a:spAutoFit/>
+          </a:bodyPr>
+          <a:lstStyle/>
+          <a:p>
+            <a:r>
+              <a:rPr lang="en-US" sz="1400" dirty="0">
+                <a:latin typeface="Aileron" panose="00000500000000000000" pitchFamily="50" charset="0"/>
+              </a:rPr>
+              <a:t>NO</a:t>
+            </a:r>
+          </a:p>
+        </p:txBody>
+      </p:sp>
     </p:spTree>
     <p:extLst>
       <p:ext uri="{BB962C8B-B14F-4D97-AF65-F5344CB8AC3E}">

--- a/ppt/diagram.pptx
+++ b/ppt/diagram.pptx
@@ -3911,6 +3911,9 @@
           <a:prstGeom prst="roundRect">
             <a:avLst/>
           </a:prstGeom>
+          <a:solidFill>
+            <a:schemeClr val="tx1"/>
+          </a:solidFill>
           <a:ln>
             <a:noFill/>
           </a:ln>
@@ -3965,6 +3968,9 @@
           <a:prstGeom prst="roundRect">
             <a:avLst/>
           </a:prstGeom>
+          <a:solidFill>
+            <a:schemeClr val="tx1"/>
+          </a:solidFill>
           <a:ln>
             <a:noFill/>
           </a:ln>
@@ -4019,6 +4025,9 @@
           <a:prstGeom prst="roundRect">
             <a:avLst/>
           </a:prstGeom>
+          <a:solidFill>
+            <a:schemeClr val="tx1"/>
+          </a:solidFill>
           <a:ln>
             <a:noFill/>
           </a:ln>
@@ -4073,6 +4082,9 @@
           <a:prstGeom prst="roundRect">
             <a:avLst/>
           </a:prstGeom>
+          <a:solidFill>
+            <a:schemeClr val="tx1"/>
+          </a:solidFill>
           <a:ln>
             <a:noFill/>
           </a:ln>
@@ -4127,6 +4139,9 @@
           <a:prstGeom prst="roundRect">
             <a:avLst/>
           </a:prstGeom>
+          <a:solidFill>
+            <a:schemeClr val="tx1"/>
+          </a:solidFill>
           <a:ln>
             <a:noFill/>
           </a:ln>
@@ -4181,6 +4196,9 @@
           <a:prstGeom prst="diamond">
             <a:avLst/>
           </a:prstGeom>
+          <a:solidFill>
+            <a:schemeClr val="tx1"/>
+          </a:solidFill>
           <a:ln>
             <a:noFill/>
           </a:ln>
@@ -4241,6 +4259,9 @@
             </a:avLst>
           </a:prstGeom>
           <a:ln>
+            <a:solidFill>
+              <a:schemeClr val="tx1"/>
+            </a:solidFill>
             <a:tailEnd type="triangle"/>
           </a:ln>
         </p:spPr>
@@ -4279,6 +4300,9 @@
           <a:prstGeom prst="roundRect">
             <a:avLst/>
           </a:prstGeom>
+          <a:solidFill>
+            <a:schemeClr val="tx1"/>
+          </a:solidFill>
           <a:ln>
             <a:noFill/>
           </a:ln>
@@ -4338,6 +4362,9 @@
             <a:avLst/>
           </a:prstGeom>
           <a:ln>
+            <a:solidFill>
+              <a:schemeClr val="tx1"/>
+            </a:solidFill>
             <a:tailEnd type="triangle"/>
           </a:ln>
         </p:spPr>
@@ -4381,6 +4408,9 @@
             <a:avLst/>
           </a:prstGeom>
           <a:ln>
+            <a:solidFill>
+              <a:schemeClr val="tx1"/>
+            </a:solidFill>
             <a:tailEnd type="triangle"/>
           </a:ln>
         </p:spPr>
@@ -4423,6 +4453,9 @@
             <a:avLst/>
           </a:prstGeom>
           <a:ln>
+            <a:solidFill>
+              <a:schemeClr val="tx1"/>
+            </a:solidFill>
             <a:tailEnd type="triangle"/>
           </a:ln>
         </p:spPr>
@@ -4466,6 +4499,9 @@
             <a:avLst/>
           </a:prstGeom>
           <a:ln>
+            <a:solidFill>
+              <a:schemeClr val="tx1"/>
+            </a:solidFill>
             <a:tailEnd type="triangle"/>
           </a:ln>
         </p:spPr>
@@ -4509,6 +4545,9 @@
             <a:avLst/>
           </a:prstGeom>
           <a:ln>
+            <a:solidFill>
+              <a:schemeClr val="tx1"/>
+            </a:solidFill>
             <a:tailEnd type="triangle"/>
           </a:ln>
         </p:spPr>
@@ -4552,6 +4591,9 @@
             <a:avLst/>
           </a:prstGeom>
           <a:ln>
+            <a:solidFill>
+              <a:schemeClr val="tx1"/>
+            </a:solidFill>
             <a:tailEnd type="triangle"/>
           </a:ln>
         </p:spPr>
@@ -4595,6 +4637,9 @@
             <a:avLst/>
           </a:prstGeom>
           <a:ln>
+            <a:solidFill>
+              <a:schemeClr val="tx1"/>
+            </a:solidFill>
             <a:tailEnd type="triangle"/>
           </a:ln>
         </p:spPr>
